--- a/Documents/BG7 Presentation.pptx
+++ b/Documents/BG7 Presentation.pptx
@@ -153,38 +153,6 @@
 
 <file path=ppt/changesInfos/changesInfo1.xml><?xml version="1.0" encoding="utf-8"?>
 <pc:chgInfo xmlns:a="http://schemas.openxmlformats.org/drawingml/2006/main" xmlns:r="http://schemas.openxmlformats.org/officeDocument/2006/relationships" xmlns:ac="http://schemas.microsoft.com/office/drawing/2013/main/command" xmlns:pc="http://schemas.microsoft.com/office/powerpoint/2013/main/command">
-  <pc:docChgLst>
-    <pc:chgData name="Vankayala Teja sri" userId="e6c697bd969e7765" providerId="LiveId" clId="{778F6583-036C-482F-82A5-CC5707BC355F}"/>
-    <pc:docChg chg="modSld">
-      <pc:chgData name="Vankayala Teja sri" userId="e6c697bd969e7765" providerId="LiveId" clId="{778F6583-036C-482F-82A5-CC5707BC355F}" dt="2025-03-10T07:06:46.993" v="15" actId="20577"/>
-      <pc:docMkLst>
-        <pc:docMk/>
-      </pc:docMkLst>
-      <pc:sldChg chg="modSp mod">
-        <pc:chgData name="Vankayala Teja sri" userId="e6c697bd969e7765" providerId="LiveId" clId="{778F6583-036C-482F-82A5-CC5707BC355F}" dt="2025-03-10T07:06:46.993" v="15" actId="20577"/>
-        <pc:sldMkLst>
-          <pc:docMk/>
-          <pc:sldMk cId="1769691040" sldId="258"/>
-        </pc:sldMkLst>
-        <pc:spChg chg="mod">
-          <ac:chgData name="Vankayala Teja sri" userId="e6c697bd969e7765" providerId="LiveId" clId="{778F6583-036C-482F-82A5-CC5707BC355F}" dt="2025-03-10T07:06:46.993" v="15" actId="20577"/>
-          <ac:spMkLst>
-            <pc:docMk/>
-            <pc:sldMk cId="1769691040" sldId="258"/>
-            <ac:spMk id="16" creationId="{00000000-0000-0000-0000-000000000000}"/>
-          </ac:spMkLst>
-        </pc:spChg>
-        <pc:spChg chg="mod">
-          <ac:chgData name="Vankayala Teja sri" userId="e6c697bd969e7765" providerId="LiveId" clId="{778F6583-036C-482F-82A5-CC5707BC355F}" dt="2025-03-10T07:00:45.340" v="14" actId="20577"/>
-          <ac:spMkLst>
-            <pc:docMk/>
-            <pc:sldMk cId="1769691040" sldId="258"/>
-            <ac:spMk id="17" creationId="{00000000-0000-0000-0000-000000000000}"/>
-          </ac:spMkLst>
-        </pc:spChg>
-      </pc:sldChg>
-    </pc:docChg>
-  </pc:docChgLst>
   <pc:docChgLst>
     <pc:chgData name="Vankayala Teja sri" userId="e6c697bd969e7765" providerId="LiveId" clId="{17AEFFEA-8680-48CD-B709-1164244DD7E1}"/>
     <pc:docChg chg="undo custSel addSld modSld sldOrd">
@@ -393,6 +361,38 @@
       </pc:sldChg>
     </pc:docChg>
   </pc:docChgLst>
+  <pc:docChgLst>
+    <pc:chgData name="Vankayala Teja sri" userId="e6c697bd969e7765" providerId="LiveId" clId="{778F6583-036C-482F-82A5-CC5707BC355F}"/>
+    <pc:docChg chg="modSld">
+      <pc:chgData name="Vankayala Teja sri" userId="e6c697bd969e7765" providerId="LiveId" clId="{778F6583-036C-482F-82A5-CC5707BC355F}" dt="2025-03-10T07:06:46.993" v="15" actId="20577"/>
+      <pc:docMkLst>
+        <pc:docMk/>
+      </pc:docMkLst>
+      <pc:sldChg chg="modSp mod">
+        <pc:chgData name="Vankayala Teja sri" userId="e6c697bd969e7765" providerId="LiveId" clId="{778F6583-036C-482F-82A5-CC5707BC355F}" dt="2025-03-10T07:06:46.993" v="15" actId="20577"/>
+        <pc:sldMkLst>
+          <pc:docMk/>
+          <pc:sldMk cId="1769691040" sldId="258"/>
+        </pc:sldMkLst>
+        <pc:spChg chg="mod">
+          <ac:chgData name="Vankayala Teja sri" userId="e6c697bd969e7765" providerId="LiveId" clId="{778F6583-036C-482F-82A5-CC5707BC355F}" dt="2025-03-10T07:06:46.993" v="15" actId="20577"/>
+          <ac:spMkLst>
+            <pc:docMk/>
+            <pc:sldMk cId="1769691040" sldId="258"/>
+            <ac:spMk id="16" creationId="{00000000-0000-0000-0000-000000000000}"/>
+          </ac:spMkLst>
+        </pc:spChg>
+        <pc:spChg chg="mod">
+          <ac:chgData name="Vankayala Teja sri" userId="e6c697bd969e7765" providerId="LiveId" clId="{778F6583-036C-482F-82A5-CC5707BC355F}" dt="2025-03-10T07:00:45.340" v="14" actId="20577"/>
+          <ac:spMkLst>
+            <pc:docMk/>
+            <pc:sldMk cId="1769691040" sldId="258"/>
+            <ac:spMk id="17" creationId="{00000000-0000-0000-0000-000000000000}"/>
+          </ac:spMkLst>
+        </pc:spChg>
+      </pc:sldChg>
+    </pc:docChg>
+  </pc:docChgLst>
 </pc:chgInfo>
 </file>
 
@@ -478,7 +478,7 @@
           <a:p>
             <a:fld id="{39199655-05E8-4463-9482-2D23FD405AF3}" type="datetimeFigureOut">
               <a:rPr lang="en-IN" smtClean="0"/>
-              <a:t>10-03-2025</a:t>
+              <a:t>10-04-2025</a:t>
             </a:fld>
             <a:endParaRPr lang="en-IN"/>
           </a:p>
@@ -673,7 +673,7 @@
           <a:p>
             <a:fld id="{B2DE0E28-087F-4BBF-B8BC-055CB0BBD464}" type="datetimeFigureOut">
               <a:rPr lang="en-IN" smtClean="0"/>
-              <a:t>10-03-2025</a:t>
+              <a:t>10-04-2025</a:t>
             </a:fld>
             <a:endParaRPr lang="en-IN"/>
           </a:p>
@@ -1156,7 +1156,7 @@
           <a:p>
             <a:fld id="{15E58F0A-825B-43EC-9CD7-118F126DA1B6}" type="datetime1">
               <a:rPr lang="en-IN" smtClean="0"/>
-              <a:t>10-03-2025</a:t>
+              <a:t>10-04-2025</a:t>
             </a:fld>
             <a:endParaRPr lang="en-IN"/>
           </a:p>
@@ -1330,7 +1330,7 @@
           <a:p>
             <a:fld id="{A9F6D04C-3771-42DE-9B65-7B6404FB4859}" type="datetime1">
               <a:rPr lang="en-IN" smtClean="0"/>
-              <a:t>10-03-2025</a:t>
+              <a:t>10-04-2025</a:t>
             </a:fld>
             <a:endParaRPr lang="en-IN"/>
           </a:p>
@@ -1514,7 +1514,7 @@
           <a:p>
             <a:fld id="{96B51216-7DD8-4439-BE7B-781B8BCB2E48}" type="datetime1">
               <a:rPr lang="en-IN" smtClean="0"/>
-              <a:t>10-03-2025</a:t>
+              <a:t>10-04-2025</a:t>
             </a:fld>
             <a:endParaRPr lang="en-IN"/>
           </a:p>
@@ -1688,7 +1688,7 @@
           <a:p>
             <a:fld id="{624C803B-62AD-4010-AEFB-D9AF802A6496}" type="datetime1">
               <a:rPr lang="en-IN" smtClean="0"/>
-              <a:t>10-03-2025</a:t>
+              <a:t>10-04-2025</a:t>
             </a:fld>
             <a:endParaRPr lang="en-IN"/>
           </a:p>
@@ -1968,7 +1968,7 @@
           <a:p>
             <a:fld id="{792EF212-5EE0-4AA8-AA52-1AD4716B5520}" type="datetime1">
               <a:rPr lang="en-IN" smtClean="0"/>
-              <a:t>10-03-2025</a:t>
+              <a:t>10-04-2025</a:t>
             </a:fld>
             <a:endParaRPr lang="en-IN"/>
           </a:p>
@@ -2204,7 +2204,7 @@
           <a:p>
             <a:fld id="{0D477AD5-9516-4803-9B8F-64EFE6B04E97}" type="datetime1">
               <a:rPr lang="en-IN" smtClean="0"/>
-              <a:t>10-03-2025</a:t>
+              <a:t>10-04-2025</a:t>
             </a:fld>
             <a:endParaRPr lang="en-IN"/>
           </a:p>
@@ -2575,7 +2575,7 @@
           <a:p>
             <a:fld id="{2FEC19F5-3ACF-4602-91F2-584ADA347226}" type="datetime1">
               <a:rPr lang="en-IN" smtClean="0"/>
-              <a:t>10-03-2025</a:t>
+              <a:t>10-04-2025</a:t>
             </a:fld>
             <a:endParaRPr lang="en-IN"/>
           </a:p>
@@ -2697,7 +2697,7 @@
           <a:p>
             <a:fld id="{6F932DEC-E61F-415A-BB11-622ACF22FA82}" type="datetime1">
               <a:rPr lang="en-IN" smtClean="0"/>
-              <a:t>10-03-2025</a:t>
+              <a:t>10-04-2025</a:t>
             </a:fld>
             <a:endParaRPr lang="en-IN"/>
           </a:p>
@@ -2796,7 +2796,7 @@
           <a:p>
             <a:fld id="{F396EEC6-0141-45B7-8835-252B848F88BA}" type="datetime1">
               <a:rPr lang="en-IN" smtClean="0"/>
-              <a:t>10-03-2025</a:t>
+              <a:t>10-04-2025</a:t>
             </a:fld>
             <a:endParaRPr lang="en-IN"/>
           </a:p>
@@ -3077,7 +3077,7 @@
           <a:p>
             <a:fld id="{1C53116E-6FF0-4C6D-8DFD-00263320DEBD}" type="datetime1">
               <a:rPr lang="en-IN" smtClean="0"/>
-              <a:t>10-03-2025</a:t>
+              <a:t>10-04-2025</a:t>
             </a:fld>
             <a:endParaRPr lang="en-IN"/>
           </a:p>
@@ -3334,7 +3334,7 @@
           <a:p>
             <a:fld id="{5FB6E4B8-84AF-4AF2-B62C-BFAB3810F0B1}" type="datetime1">
               <a:rPr lang="en-IN" smtClean="0"/>
-              <a:t>10-03-2025</a:t>
+              <a:t>10-04-2025</a:t>
             </a:fld>
             <a:endParaRPr lang="en-IN"/>
           </a:p>
@@ -3551,7 +3551,7 @@
           <a:p>
             <a:fld id="{4E797CF1-9FF6-48D4-89E7-B1B5528DDDD6}" type="datetime1">
               <a:rPr lang="en-IN" smtClean="0"/>
-              <a:t>10-03-2025</a:t>
+              <a:t>10-04-2025</a:t>
             </a:fld>
             <a:endParaRPr lang="en-IN"/>
           </a:p>
@@ -4517,7 +4517,7 @@
                 <a:latin typeface="Times New Roman" panose="02020603050405020304" pitchFamily="18" charset="0"/>
                 <a:cs typeface="Times New Roman" panose="02020603050405020304" pitchFamily="18" charset="0"/>
               </a:rPr>
-              <a:t>10-03-2025</a:t>
+              <a:t>10-04-2025</a:t>
             </a:fld>
             <a:endParaRPr lang="en-US">
               <a:latin typeface="Times New Roman" panose="02020603050405020304" pitchFamily="18" charset="0"/>
@@ -4923,7 +4923,7 @@
                 <a:latin typeface="Times New Roman" panose="02020603050405020304" pitchFamily="18" charset="0"/>
                 <a:cs typeface="Times New Roman" panose="02020603050405020304" pitchFamily="18" charset="0"/>
               </a:rPr>
-              <a:t>10-03-2025</a:t>
+              <a:t>10-04-2025</a:t>
             </a:fld>
             <a:endParaRPr lang="en-US">
               <a:latin typeface="Times New Roman" panose="02020603050405020304" pitchFamily="18" charset="0"/>
@@ -5128,7 +5128,7 @@
                 <a:latin typeface="Times New Roman" panose="02020603050405020304" pitchFamily="18" charset="0"/>
                 <a:cs typeface="Times New Roman" panose="02020603050405020304" pitchFamily="18" charset="0"/>
               </a:rPr>
-              <a:t>10-03-2025</a:t>
+              <a:t>10-04-2025</a:t>
             </a:fld>
             <a:endParaRPr lang="en-US">
               <a:latin typeface="Times New Roman" panose="02020603050405020304" pitchFamily="18" charset="0"/>
@@ -5428,7 +5428,7 @@
                 <a:latin typeface="Times New Roman" panose="02020603050405020304" pitchFamily="18" charset="0"/>
                 <a:cs typeface="Times New Roman" panose="02020603050405020304" pitchFamily="18" charset="0"/>
               </a:rPr>
-              <a:t>Gray Wolf Optimization</a:t>
+              <a:t>Grey Wolf Optimization</a:t>
             </a:r>
           </a:p>
           <a:p>
@@ -5480,7 +5480,7 @@
                 <a:latin typeface="Times New Roman" panose="02020603050405020304" pitchFamily="18" charset="0"/>
                 <a:cs typeface="Times New Roman" panose="02020603050405020304" pitchFamily="18" charset="0"/>
               </a:rPr>
-              <a:t>10-03-2025</a:t>
+              <a:t>10-04-2025</a:t>
             </a:fld>
             <a:endParaRPr lang="en-US">
               <a:latin typeface="Times New Roman" panose="02020603050405020304" pitchFamily="18" charset="0"/>
@@ -5608,7 +5608,7 @@
           <a:p>
             <a:fld id="{F396EEC6-0141-45B7-8835-252B848F88BA}" type="datetime1">
               <a:rPr lang="en-IN" smtClean="0"/>
-              <a:t>10-03-2025</a:t>
+              <a:t>10-04-2025</a:t>
             </a:fld>
             <a:endParaRPr lang="en-IN"/>
           </a:p>
@@ -6024,7 +6024,7 @@
           <a:p>
             <a:fld id="{F396EEC6-0141-45B7-8835-252B848F88BA}" type="datetime1">
               <a:rPr lang="en-IN" smtClean="0"/>
-              <a:t>10-03-2025</a:t>
+              <a:t>10-04-2025</a:t>
             </a:fld>
             <a:endParaRPr lang="en-IN"/>
           </a:p>
@@ -6419,7 +6419,7 @@
           <a:p>
             <a:fld id="{F396EEC6-0141-45B7-8835-252B848F88BA}" type="datetime1">
               <a:rPr lang="en-IN" smtClean="0"/>
-              <a:t>10-03-2025</a:t>
+              <a:t>10-04-2025</a:t>
             </a:fld>
             <a:endParaRPr lang="en-IN"/>
           </a:p>
@@ -7243,7 +7243,7 @@
           <a:p>
             <a:fld id="{F396EEC6-0141-45B7-8835-252B848F88BA}" type="datetime1">
               <a:rPr lang="en-IN" smtClean="0"/>
-              <a:t>10-03-2025</a:t>
+              <a:t>10-04-2025</a:t>
             </a:fld>
             <a:endParaRPr lang="en-IN"/>
           </a:p>
@@ -7340,7 +7340,7 @@
                 <a:latin typeface="Times New Roman" panose="02020603050405020304" pitchFamily="18" charset="0"/>
                 <a:cs typeface="Times New Roman" panose="02020603050405020304" pitchFamily="18" charset="0"/>
               </a:rPr>
-              <a:t>4. Gray Wolf Optimization</a:t>
+              <a:t>4. Grey Wolf Optimization</a:t>
             </a:r>
           </a:p>
           <a:p>
@@ -7441,7 +7441,7 @@
                 <a:latin typeface="Times New Roman" panose="02020603050405020304" pitchFamily="18" charset="0"/>
                 <a:cs typeface="Times New Roman" panose="02020603050405020304" pitchFamily="18" charset="0"/>
               </a:rPr>
-              <a:t>The Gray Wolf Optimizer (GWO) is an optimization algorithm inspired by gray wolves' hierarchical structure and hunting strategies.</a:t>
+              <a:t>The Grey Wolf Optimizer (GWO) is an optimization algorithm inspired by Grey wolves' hierarchical structure and hunting strategies.</a:t>
             </a:r>
           </a:p>
           <a:p>
@@ -7627,7 +7627,7 @@
           <a:p>
             <a:fld id="{F396EEC6-0141-45B7-8835-252B848F88BA}" type="datetime1">
               <a:rPr lang="en-IN" smtClean="0"/>
-              <a:t>10-03-2025</a:t>
+              <a:t>10-04-2025</a:t>
             </a:fld>
             <a:endParaRPr lang="en-IN"/>
           </a:p>
@@ -7905,7 +7905,7 @@
           <a:p>
             <a:fld id="{F396EEC6-0141-45B7-8835-252B848F88BA}" type="datetime1">
               <a:rPr lang="en-IN" smtClean="0"/>
-              <a:t>10-03-2025</a:t>
+              <a:t>10-04-2025</a:t>
             </a:fld>
             <a:endParaRPr lang="en-IN"/>
           </a:p>
@@ -8433,7 +8433,7 @@
           <a:p>
             <a:fld id="{F396EEC6-0141-45B7-8835-252B848F88BA}" type="datetime1">
               <a:rPr lang="en-IN" smtClean="0"/>
-              <a:t>10-03-2025</a:t>
+              <a:t>10-04-2025</a:t>
             </a:fld>
             <a:endParaRPr lang="en-IN"/>
           </a:p>
@@ -10061,7 +10061,7 @@
                 <a:latin typeface="Times New Roman" panose="02020603050405020304" pitchFamily="18" charset="0"/>
                 <a:cs typeface="Times New Roman" panose="02020603050405020304" pitchFamily="18" charset="0"/>
               </a:rPr>
-              <a:t>10-03-2025</a:t>
+              <a:t>10-04-2025</a:t>
             </a:fld>
             <a:endParaRPr lang="en-US">
               <a:latin typeface="Times New Roman" panose="02020603050405020304" pitchFamily="18" charset="0"/>
@@ -10185,7 +10185,7 @@
           <a:p>
             <a:fld id="{F396EEC6-0141-45B7-8835-252B848F88BA}" type="datetime1">
               <a:rPr lang="en-IN" smtClean="0"/>
-              <a:t>10-03-2025</a:t>
+              <a:t>10-04-2025</a:t>
             </a:fld>
             <a:endParaRPr lang="en-IN"/>
           </a:p>
@@ -10406,7 +10406,7 @@
                 <a:latin typeface="Times New Roman" panose="02020603050405020304" pitchFamily="18" charset="0"/>
                 <a:cs typeface="Times New Roman" panose="02020603050405020304" pitchFamily="18" charset="0"/>
               </a:rPr>
-              <a:t>10-03-2025</a:t>
+              <a:t>10-04-2025</a:t>
             </a:fld>
             <a:endParaRPr lang="en-US">
               <a:latin typeface="Times New Roman" panose="02020603050405020304" pitchFamily="18" charset="0"/>
@@ -10534,7 +10534,7 @@
           <a:p>
             <a:fld id="{F396EEC6-0141-45B7-8835-252B848F88BA}" type="datetime1">
               <a:rPr lang="en-IN" smtClean="0"/>
-              <a:t>10-03-2025</a:t>
+              <a:t>10-04-2025</a:t>
             </a:fld>
             <a:endParaRPr lang="en-IN"/>
           </a:p>
@@ -10725,7 +10725,7 @@
           <a:p>
             <a:fld id="{F396EEC6-0141-45B7-8835-252B848F88BA}" type="datetime1">
               <a:rPr lang="en-IN" smtClean="0"/>
-              <a:t>10-03-2025</a:t>
+              <a:t>10-04-2025</a:t>
             </a:fld>
             <a:endParaRPr lang="en-IN"/>
           </a:p>
@@ -10992,7 +10992,7 @@
                 <a:latin typeface="Times New Roman" panose="02020603050405020304" pitchFamily="18" charset="0"/>
                 <a:cs typeface="Times New Roman" panose="02020603050405020304" pitchFamily="18" charset="0"/>
               </a:rPr>
-              <a:t>The best hyperparameters obtained using the Gray Wolf Optimization algorithm were used to build the </a:t>
+              <a:t>The best hyperparameters obtained using the Grey Wolf Optimization algorithm were used to build the </a:t>
             </a:r>
             <a:r>
               <a:rPr lang="en-US" sz="2200" dirty="0" err="1">
@@ -11062,7 +11062,7 @@
                 <a:latin typeface="Times New Roman" panose="02020603050405020304" pitchFamily="18" charset="0"/>
                 <a:cs typeface="Times New Roman" panose="02020603050405020304" pitchFamily="18" charset="0"/>
               </a:rPr>
-              <a:t>10-03-2025</a:t>
+              <a:t>10-04-2025</a:t>
             </a:fld>
             <a:endParaRPr lang="en-US">
               <a:latin typeface="Times New Roman" panose="02020603050405020304" pitchFamily="18" charset="0"/>
@@ -11226,7 +11226,7 @@
           <a:p>
             <a:fld id="{F396EEC6-0141-45B7-8835-252B848F88BA}" type="datetime1">
               <a:rPr lang="en-IN" smtClean="0"/>
-              <a:t>10-03-2025</a:t>
+              <a:t>10-04-2025</a:t>
             </a:fld>
             <a:endParaRPr lang="en-IN"/>
           </a:p>
@@ -11369,7 +11369,7 @@
                 <a:latin typeface="Times New Roman" panose="02020603050405020304" pitchFamily="18" charset="0"/>
                 <a:cs typeface="Times New Roman" panose="02020603050405020304" pitchFamily="18" charset="0"/>
               </a:rPr>
-              <a:t>Ant Colony Optimization (ACO) operates similarly to Gray Wolf Optimization (GWO) but employs a different strategy for selecting features. </a:t>
+              <a:t>Ant Colony Optimization (ACO) operates similarly to Grey Wolf Optimization (GWO) but employs a different strategy for selecting features. </a:t>
             </a:r>
           </a:p>
           <a:p>
@@ -11516,7 +11516,7 @@
           <a:p>
             <a:fld id="{F396EEC6-0141-45B7-8835-252B848F88BA}" type="datetime1">
               <a:rPr lang="en-IN" smtClean="0"/>
-              <a:t>10-03-2025</a:t>
+              <a:t>10-04-2025</a:t>
             </a:fld>
             <a:endParaRPr lang="en-IN"/>
           </a:p>
@@ -11659,7 +11659,7 @@
                 <a:latin typeface="Times New Roman" panose="02020603050405020304" pitchFamily="18" charset="0"/>
                 <a:cs typeface="Times New Roman" panose="02020603050405020304" pitchFamily="18" charset="0"/>
               </a:rPr>
-              <a:t>The Gray Wolf Optimization algorithm identified the best hyperparameters to build the Optimized CNN (</a:t>
+              <a:t>The Grey Wolf Optimization algorithm identified the best hyperparameters to build the Optimized CNN (</a:t>
             </a:r>
             <a:r>
               <a:rPr lang="en-US" sz="2200" dirty="0" err="1">
@@ -11804,7 +11804,7 @@
           <a:p>
             <a:fld id="{F396EEC6-0141-45B7-8835-252B848F88BA}" type="datetime1">
               <a:rPr lang="en-IN" smtClean="0"/>
-              <a:t>10-03-2025</a:t>
+              <a:t>10-04-2025</a:t>
             </a:fld>
             <a:endParaRPr lang="en-IN"/>
           </a:p>
@@ -14349,7 +14349,7 @@
                 <a:latin typeface="Times New Roman" panose="02020603050405020304" pitchFamily="18" charset="0"/>
                 <a:cs typeface="Times New Roman" panose="02020603050405020304" pitchFamily="18" charset="0"/>
               </a:rPr>
-              <a:t>10-03-2025</a:t>
+              <a:t>10-04-2025</a:t>
             </a:fld>
             <a:endParaRPr lang="en-US">
               <a:latin typeface="Times New Roman" panose="02020603050405020304" pitchFamily="18" charset="0"/>
@@ -15749,7 +15749,7 @@
                 <a:latin typeface="Times New Roman" panose="02020603050405020304" pitchFamily="18" charset="0"/>
                 <a:cs typeface="Times New Roman" panose="02020603050405020304" pitchFamily="18" charset="0"/>
               </a:rPr>
-              <a:t>10-03-2025</a:t>
+              <a:t>10-04-2025</a:t>
             </a:fld>
             <a:endParaRPr lang="en-US">
               <a:latin typeface="Times New Roman" panose="02020603050405020304" pitchFamily="18" charset="0"/>
@@ -15961,7 +15961,7 @@
                 <a:latin typeface="Times New Roman" panose="02020603050405020304" pitchFamily="18" charset="0"/>
                 <a:cs typeface="Times New Roman" panose="02020603050405020304" pitchFamily="18" charset="0"/>
               </a:rPr>
-              <a:t>10-03-2025</a:t>
+              <a:t>10-04-2025</a:t>
             </a:fld>
             <a:endParaRPr lang="en-US">
               <a:latin typeface="Times New Roman" panose="02020603050405020304" pitchFamily="18" charset="0"/>
@@ -16705,7 +16705,7 @@
                 <a:latin typeface="Times New Roman" panose="02020603050405020304" pitchFamily="18" charset="0"/>
                 <a:cs typeface="Times New Roman" panose="02020603050405020304" pitchFamily="18" charset="0"/>
               </a:rPr>
-              <a:t>10-03-2025</a:t>
+              <a:t>10-04-2025</a:t>
             </a:fld>
             <a:endParaRPr lang="en-US" dirty="0">
               <a:latin typeface="Times New Roman" panose="02020603050405020304" pitchFamily="18" charset="0"/>
@@ -17426,7 +17426,7 @@
                 <a:latin typeface="Times New Roman" panose="02020603050405020304" pitchFamily="18" charset="0"/>
                 <a:cs typeface="Times New Roman" panose="02020603050405020304" pitchFamily="18" charset="0"/>
               </a:rPr>
-              <a:t>10-03-2025</a:t>
+              <a:t>10-04-2025</a:t>
             </a:fld>
             <a:endParaRPr lang="en-US">
               <a:latin typeface="Times New Roman" panose="02020603050405020304" pitchFamily="18" charset="0"/>
@@ -17770,7 +17770,7 @@
                 <a:latin typeface="Times New Roman" panose="02020603050405020304" pitchFamily="18" charset="0"/>
                 <a:cs typeface="Times New Roman" panose="02020603050405020304" pitchFamily="18" charset="0"/>
               </a:rPr>
-              <a:t>10-03-2025</a:t>
+              <a:t>10-04-2025</a:t>
             </a:fld>
             <a:endParaRPr lang="en-US">
               <a:latin typeface="Times New Roman" panose="02020603050405020304" pitchFamily="18" charset="0"/>
@@ -17898,7 +17898,7 @@
           <a:p>
             <a:fld id="{F396EEC6-0141-45B7-8835-252B848F88BA}" type="datetime1">
               <a:rPr lang="en-IN" smtClean="0"/>
-              <a:t>10-03-2025</a:t>
+              <a:t>10-04-2025</a:t>
             </a:fld>
             <a:endParaRPr lang="en-IN"/>
           </a:p>
@@ -18269,7 +18269,7 @@
                 <a:latin typeface="Times New Roman" panose="02020603050405020304" pitchFamily="18" charset="0"/>
                 <a:cs typeface="Times New Roman" panose="02020603050405020304" pitchFamily="18" charset="0"/>
               </a:rPr>
-              <a:t>10-03-2025</a:t>
+              <a:t>10-04-2025</a:t>
             </a:fld>
             <a:endParaRPr lang="en-US">
               <a:latin typeface="Times New Roman" panose="02020603050405020304" pitchFamily="18" charset="0"/>
@@ -20420,7 +20420,7 @@
           <a:p>
             <a:fld id="{F396EEC6-0141-45B7-8835-252B848F88BA}" type="datetime1">
               <a:rPr lang="en-IN" smtClean="0"/>
-              <a:t>10-03-2025</a:t>
+              <a:t>10-04-2025</a:t>
             </a:fld>
             <a:endParaRPr lang="en-IN"/>
           </a:p>
@@ -22296,7 +22296,7 @@
                 <a:latin typeface="Times New Roman" panose="02020603050405020304" pitchFamily="18" charset="0"/>
                 <a:cs typeface="Times New Roman" panose="02020603050405020304" pitchFamily="18" charset="0"/>
               </a:rPr>
-              <a:t>10-03-2025</a:t>
+              <a:t>10-04-2025</a:t>
             </a:fld>
             <a:endParaRPr lang="en-US">
               <a:latin typeface="Times New Roman" panose="02020603050405020304" pitchFamily="18" charset="0"/>
@@ -22464,7 +22464,7 @@
                 <a:latin typeface="Times New Roman" panose="02020603050405020304" pitchFamily="18" charset="0"/>
                 <a:cs typeface="Times New Roman" panose="02020603050405020304" pitchFamily="18" charset="0"/>
               </a:rPr>
-              <a:t>10-03-2025</a:t>
+              <a:t>10-04-2025</a:t>
             </a:fld>
             <a:endParaRPr lang="en-US">
               <a:latin typeface="Times New Roman" panose="02020603050405020304" pitchFamily="18" charset="0"/>
